--- a/challenge_1_NYmvc/NYPD_brooklyn_collisions.pptx
+++ b/challenge_1_NYmvc/NYPD_brooklyn_collisions.pptx
@@ -121,7 +121,7 @@
 <file path=ppt/revisionInfo.xml><?xml version="1.0" encoding="utf-8"?>
 <p1510:revInfo xmlns:a="http://schemas.openxmlformats.org/drawingml/2006/main" xmlns:r="http://schemas.openxmlformats.org/officeDocument/2006/relationships" xmlns:p1510="http://schemas.microsoft.com/office/powerpoint/2015/10/main">
   <p1510:revLst>
-    <p1510:client id="{567C74AD-EE44-4092-9854-348766FCF3B9}" v="149" dt="2021-09-24T10:18:42.746"/>
+    <p1510:client id="{567C74AD-EE44-4092-9854-348766FCF3B9}" v="150" dt="2021-09-24T10:38:31.445"/>
   </p1510:revLst>
 </p1510:revInfo>
 </file>
@@ -178,7 +178,7 @@
   <pc:docChgLst>
     <pc:chgData name="Jacopo Attolini" userId="a6d77d6e-e6c1-4f06-97c0-7dc58035acf7" providerId="ADAL" clId="{567C74AD-EE44-4092-9854-348766FCF3B9}"/>
     <pc:docChg chg="undo custSel addSld delSld modSld sldOrd">
-      <pc:chgData name="Jacopo Attolini" userId="a6d77d6e-e6c1-4f06-97c0-7dc58035acf7" providerId="ADAL" clId="{567C74AD-EE44-4092-9854-348766FCF3B9}" dt="2021-09-24T10:35:53.552" v="4410" actId="20577"/>
+      <pc:chgData name="Jacopo Attolini" userId="a6d77d6e-e6c1-4f06-97c0-7dc58035acf7" providerId="ADAL" clId="{567C74AD-EE44-4092-9854-348766FCF3B9}" dt="2021-09-24T10:38:31.445" v="4411" actId="1076"/>
       <pc:docMkLst>
         <pc:docMk/>
       </pc:docMkLst>
@@ -762,7 +762,7 @@
         </pc:picChg>
       </pc:sldChg>
       <pc:sldChg chg="addSp delSp modSp mod delDesignElem">
-        <pc:chgData name="Jacopo Attolini" userId="a6d77d6e-e6c1-4f06-97c0-7dc58035acf7" providerId="ADAL" clId="{567C74AD-EE44-4092-9854-348766FCF3B9}" dt="2021-09-24T10:16:51.832" v="2235"/>
+        <pc:chgData name="Jacopo Attolini" userId="a6d77d6e-e6c1-4f06-97c0-7dc58035acf7" providerId="ADAL" clId="{567C74AD-EE44-4092-9854-348766FCF3B9}" dt="2021-09-24T10:38:31.445" v="4411" actId="1076"/>
         <pc:sldMkLst>
           <pc:docMk/>
           <pc:sldMk cId="1205860707" sldId="261"/>
@@ -872,7 +872,7 @@
           </ac:picMkLst>
         </pc:picChg>
         <pc:picChg chg="add mod">
-          <ac:chgData name="Jacopo Attolini" userId="a6d77d6e-e6c1-4f06-97c0-7dc58035acf7" providerId="ADAL" clId="{567C74AD-EE44-4092-9854-348766FCF3B9}" dt="2021-09-24T09:32:05.285" v="1556" actId="14100"/>
+          <ac:chgData name="Jacopo Attolini" userId="a6d77d6e-e6c1-4f06-97c0-7dc58035acf7" providerId="ADAL" clId="{567C74AD-EE44-4092-9854-348766FCF3B9}" dt="2021-09-24T10:38:31.445" v="4411" actId="1076"/>
           <ac:picMkLst>
             <pc:docMk/>
             <pc:sldMk cId="1205860707" sldId="261"/>
@@ -7192,7 +7192,7 @@
         </p:blipFill>
         <p:spPr bwMode="auto">
           <a:xfrm>
-            <a:off x="6385084" y="2349667"/>
+            <a:off x="6521113" y="2305639"/>
             <a:ext cx="5670887" cy="2861525"/>
           </a:xfrm>
           <a:prstGeom prst="rect">
